--- a/PowerPoints/SoftwareConfigurationManagement.pptx
+++ b/PowerPoints/SoftwareConfigurationManagement.pptx
@@ -8,7 +8,7 @@
     <p:sldMasterId id="2147483695" r:id="rId7"/>
   </p:sldMasterIdLst>
   <p:notesMasterIdLst>
-    <p:notesMasterId r:id="rId40"/>
+    <p:notesMasterId r:id="rId48"/>
   </p:notesMasterIdLst>
   <p:sldIdLst>
     <p:sldId id="256" r:id="rId8"/>
@@ -43,6 +43,14 @@
     <p:sldId id="292" r:id="rId37"/>
     <p:sldId id="293" r:id="rId38"/>
     <p:sldId id="294" r:id="rId39"/>
+    <p:sldId id="297" r:id="rId40"/>
+    <p:sldId id="299" r:id="rId41"/>
+    <p:sldId id="300" r:id="rId42"/>
+    <p:sldId id="301" r:id="rId43"/>
+    <p:sldId id="302" r:id="rId44"/>
+    <p:sldId id="303" r:id="rId45"/>
+    <p:sldId id="304" r:id="rId46"/>
+    <p:sldId id="305" r:id="rId47"/>
   </p:sldIdLst>
   <p:sldSz cx="9144000" cy="6858000" type="screen4x3"/>
   <p:notesSz cx="6858000" cy="9144000"/>
@@ -231,7 +239,7 @@
           <a:p>
             <a:fld id="{AA4546FA-CCB2-4B35-9D70-CB27396834BC}" type="datetimeFigureOut">
               <a:rPr lang="en-US" smtClean="0"/>
-              <a:t>3/4/2016</a:t>
+              <a:t>3/24/2016</a:t>
             </a:fld>
             <a:endParaRPr lang="en-US"/>
           </a:p>
@@ -858,7 +866,7 @@
           <a:p>
             <a:fld id="{7AC11F0B-9A29-4EBD-B631-6648006CA4E4}" type="datetime1">
               <a:rPr lang="en-US" smtClean="0"/>
-              <a:t>3/4/2016</a:t>
+              <a:t>3/24/2016</a:t>
             </a:fld>
             <a:endParaRPr lang="en-US" dirty="0"/>
           </a:p>
@@ -969,8 +977,8 @@
 </file>
 
 <file path=ppt/slideLayouts/slideLayout3.xml><?xml version="1.0" encoding="utf-8"?>
-<p:sldLayout xmlns:a="http://schemas.openxmlformats.org/drawingml/2006/main" xmlns:r="http://schemas.openxmlformats.org/officeDocument/2006/relationships" xmlns:p="http://schemas.openxmlformats.org/presentationml/2006/main" preserve="1">
-  <p:cSld name="Topic Page for all even number slides">
+<p:sldLayout xmlns:a="http://schemas.openxmlformats.org/drawingml/2006/main" xmlns:r="http://schemas.openxmlformats.org/officeDocument/2006/relationships" xmlns:p="http://schemas.openxmlformats.org/presentationml/2006/main">
+  <p:cSld name="Content Page - use within Topics">
     <p:spTree>
       <p:nvGrpSpPr>
         <p:cNvPr id="1" name=""/>
@@ -1106,9 +1114,9 @@
           <a:bodyPr/>
           <a:lstStyle/>
           <a:p>
-            <a:fld id="{416762AD-F359-4A5D-A353-2EAB7A3801EE}" type="datetime1">
-              <a:rPr lang="en-US" smtClean="0"/>
-              <a:t>3/4/2016</a:t>
+            <a:fld id="{C8949D56-DBDD-4CB9-A3EC-4A16FD22C3CB}" type="datetime1">
+              <a:rPr lang="en-US" smtClean="0"/>
+              <a:t>3/24/2016</a:t>
             </a:fld>
             <a:endParaRPr lang="en-US" dirty="0"/>
           </a:p>
@@ -1208,7 +1216,7 @@
     </p:spTree>
     <p:extLst>
       <p:ext uri="{BB962C8B-B14F-4D97-AF65-F5344CB8AC3E}">
-        <p14:creationId xmlns:p14="http://schemas.microsoft.com/office/powerpoint/2010/main" val="250934205"/>
+        <p14:creationId xmlns:p14="http://schemas.microsoft.com/office/powerpoint/2010/main" val="2760717798"/>
       </p:ext>
     </p:extLst>
   </p:cSld>
@@ -1220,7 +1228,7 @@
 
 <file path=ppt/slideLayouts/slideLayout4.xml><?xml version="1.0" encoding="utf-8"?>
 <p:sldLayout xmlns:a="http://schemas.openxmlformats.org/drawingml/2006/main" xmlns:r="http://schemas.openxmlformats.org/officeDocument/2006/relationships" xmlns:p="http://schemas.openxmlformats.org/presentationml/2006/main" preserve="1">
-  <p:cSld name="Content Page - use within Topics">
+  <p:cSld name="Topic Page for all even number slides">
     <p:spTree>
       <p:nvGrpSpPr>
         <p:cNvPr id="1" name=""/>
@@ -1356,9 +1364,259 @@
           <a:bodyPr/>
           <a:lstStyle/>
           <a:p>
+            <a:fld id="{416762AD-F359-4A5D-A353-2EAB7A3801EE}" type="datetime1">
+              <a:rPr lang="en-US" smtClean="0"/>
+              <a:t>3/24/2016</a:t>
+            </a:fld>
+            <a:endParaRPr lang="en-US" dirty="0"/>
+          </a:p>
+        </p:txBody>
+      </p:sp>
+      <p:sp>
+        <p:nvSpPr>
+          <p:cNvPr id="5" name="Footer Placeholder 4"/>
+          <p:cNvSpPr>
+            <a:spLocks noGrp="1"/>
+          </p:cNvSpPr>
+          <p:nvPr>
+            <p:ph type="ftr" sz="quarter" idx="11"/>
+          </p:nvPr>
+        </p:nvSpPr>
+        <p:spPr/>
+        <p:txBody>
+          <a:bodyPr/>
+          <a:lstStyle>
+            <a:lvl1pPr>
+              <a:defRPr i="1"/>
+            </a:lvl1pPr>
+          </a:lstStyle>
+          <a:p>
+            <a:r>
+              <a:rPr lang="en-US" dirty="0" smtClean="0"/>
+              <a:t>All rights reserved by Five 9 Group, Inc.</a:t>
+            </a:r>
+            <a:endParaRPr lang="en-US" dirty="0"/>
+          </a:p>
+        </p:txBody>
+      </p:sp>
+      <p:sp>
+        <p:nvSpPr>
+          <p:cNvPr id="6" name="Slide Number Placeholder 5"/>
+          <p:cNvSpPr>
+            <a:spLocks noGrp="1"/>
+          </p:cNvSpPr>
+          <p:nvPr>
+            <p:ph type="sldNum" sz="quarter" idx="12"/>
+          </p:nvPr>
+        </p:nvSpPr>
+        <p:spPr/>
+        <p:txBody>
+          <a:bodyPr/>
+          <a:lstStyle/>
+          <a:p>
+            <a:fld id="{125AF1D8-B0AE-4E77-AA99-EC861FD2EC07}" type="slidenum">
+              <a:rPr lang="en-US" smtClean="0"/>
+              <a:t>‹#›</a:t>
+            </a:fld>
+            <a:endParaRPr lang="en-US"/>
+          </a:p>
+        </p:txBody>
+      </p:sp>
+      <p:sp>
+        <p:nvSpPr>
+          <p:cNvPr id="8" name="Title 7"/>
+          <p:cNvSpPr>
+            <a:spLocks noGrp="1"/>
+          </p:cNvSpPr>
+          <p:nvPr>
+            <p:ph type="title"/>
+          </p:nvPr>
+        </p:nvSpPr>
+        <p:spPr>
+          <a:xfrm>
+            <a:off x="628648" y="365125"/>
+            <a:ext cx="8020115" cy="649224"/>
+          </a:xfrm>
+          <a:prstGeom prst="rect">
+            <a:avLst/>
+          </a:prstGeom>
+        </p:spPr>
+        <p:txBody>
+          <a:bodyPr/>
+          <a:lstStyle>
+            <a:lvl1pPr>
+              <a:defRPr sz="3600">
+                <a:solidFill>
+                  <a:srgbClr val="007D9D"/>
+                </a:solidFill>
+                <a:latin typeface="Arial" panose="020B0604020202020204" pitchFamily="34" charset="0"/>
+                <a:cs typeface="Arial" panose="020B0604020202020204" pitchFamily="34" charset="0"/>
+              </a:defRPr>
+            </a:lvl1pPr>
+          </a:lstStyle>
+          <a:p>
+            <a:r>
+              <a:rPr lang="en-US" dirty="0" smtClean="0"/>
+              <a:t>Click to edit Master title style</a:t>
+            </a:r>
+            <a:endParaRPr lang="en-US" dirty="0"/>
+          </a:p>
+        </p:txBody>
+      </p:sp>
+    </p:spTree>
+    <p:extLst>
+      <p:ext uri="{BB962C8B-B14F-4D97-AF65-F5344CB8AC3E}">
+        <p14:creationId xmlns:p14="http://schemas.microsoft.com/office/powerpoint/2010/main" val="250934205"/>
+      </p:ext>
+    </p:extLst>
+  </p:cSld>
+  <p:clrMapOvr>
+    <a:masterClrMapping/>
+  </p:clrMapOvr>
+</p:sldLayout>
+</file>
+
+<file path=ppt/slideLayouts/slideLayout5.xml><?xml version="1.0" encoding="utf-8"?>
+<p:sldLayout xmlns:a="http://schemas.openxmlformats.org/drawingml/2006/main" xmlns:r="http://schemas.openxmlformats.org/officeDocument/2006/relationships" xmlns:p="http://schemas.openxmlformats.org/presentationml/2006/main" preserve="1">
+  <p:cSld name="Content Page - use within Topics">
+    <p:spTree>
+      <p:nvGrpSpPr>
+        <p:cNvPr id="1" name=""/>
+        <p:cNvGrpSpPr/>
+        <p:nvPr/>
+      </p:nvGrpSpPr>
+      <p:grpSpPr>
+        <a:xfrm>
+          <a:off x="0" y="0"/>
+          <a:ext cx="0" cy="0"/>
+          <a:chOff x="0" y="0"/>
+          <a:chExt cx="0" cy="0"/>
+        </a:xfrm>
+      </p:grpSpPr>
+      <p:sp>
+        <p:nvSpPr>
+          <p:cNvPr id="3" name="Content Placeholder 2"/>
+          <p:cNvSpPr>
+            <a:spLocks noGrp="1"/>
+          </p:cNvSpPr>
+          <p:nvPr>
+            <p:ph idx="1" hasCustomPrompt="1"/>
+          </p:nvPr>
+        </p:nvSpPr>
+        <p:spPr>
+          <a:xfrm>
+            <a:off x="628648" y="1352145"/>
+            <a:ext cx="8020115" cy="4805464"/>
+          </a:xfrm>
+          <a:prstGeom prst="rect">
+            <a:avLst/>
+          </a:prstGeom>
+        </p:spPr>
+        <p:txBody>
+          <a:bodyPr/>
+          <a:lstStyle>
+            <a:lvl1pPr>
+              <a:defRPr>
+                <a:solidFill>
+                  <a:schemeClr val="tx1"/>
+                </a:solidFill>
+                <a:latin typeface="Arial" panose="020B0604020202020204" pitchFamily="34" charset="0"/>
+                <a:cs typeface="Arial" panose="020B0604020202020204" pitchFamily="34" charset="0"/>
+              </a:defRPr>
+            </a:lvl1pPr>
+            <a:lvl2pPr>
+              <a:defRPr>
+                <a:solidFill>
+                  <a:schemeClr val="tx1"/>
+                </a:solidFill>
+                <a:latin typeface="Arial" panose="020B0604020202020204" pitchFamily="34" charset="0"/>
+                <a:cs typeface="Arial" panose="020B0604020202020204" pitchFamily="34" charset="0"/>
+              </a:defRPr>
+            </a:lvl2pPr>
+            <a:lvl3pPr>
+              <a:defRPr>
+                <a:solidFill>
+                  <a:schemeClr val="tx1"/>
+                </a:solidFill>
+                <a:latin typeface="Arial" panose="020B0604020202020204" pitchFamily="34" charset="0"/>
+                <a:cs typeface="Arial" panose="020B0604020202020204" pitchFamily="34" charset="0"/>
+              </a:defRPr>
+            </a:lvl3pPr>
+            <a:lvl4pPr>
+              <a:defRPr>
+                <a:solidFill>
+                  <a:schemeClr val="tx1"/>
+                </a:solidFill>
+                <a:latin typeface="Arial" panose="020B0604020202020204" pitchFamily="34" charset="0"/>
+                <a:cs typeface="Arial" panose="020B0604020202020204" pitchFamily="34" charset="0"/>
+              </a:defRPr>
+            </a:lvl4pPr>
+            <a:lvl5pPr>
+              <a:defRPr>
+                <a:solidFill>
+                  <a:schemeClr val="tx1"/>
+                </a:solidFill>
+                <a:latin typeface="Arial" panose="020B0604020202020204" pitchFamily="34" charset="0"/>
+                <a:cs typeface="Arial" panose="020B0604020202020204" pitchFamily="34" charset="0"/>
+              </a:defRPr>
+            </a:lvl5pPr>
+          </a:lstStyle>
+          <a:p>
+            <a:pPr lvl="0"/>
+            <a:r>
+              <a:rPr lang="en-US" dirty="0" smtClean="0"/>
+              <a:t>Add Content here</a:t>
+            </a:r>
+          </a:p>
+          <a:p>
+            <a:pPr lvl="1"/>
+            <a:r>
+              <a:rPr lang="en-US" dirty="0" smtClean="0"/>
+              <a:t>Or Here</a:t>
+            </a:r>
+          </a:p>
+          <a:p>
+            <a:pPr lvl="2"/>
+            <a:r>
+              <a:rPr lang="en-US" dirty="0" smtClean="0"/>
+              <a:t>Or Here</a:t>
+            </a:r>
+          </a:p>
+          <a:p>
+            <a:pPr lvl="3"/>
+            <a:r>
+              <a:rPr lang="en-US" dirty="0" smtClean="0"/>
+              <a:t>Or Here</a:t>
+            </a:r>
+          </a:p>
+          <a:p>
+            <a:pPr lvl="4"/>
+            <a:r>
+              <a:rPr lang="en-US" dirty="0" smtClean="0"/>
+              <a:t>Or Here</a:t>
+            </a:r>
+            <a:endParaRPr lang="en-US" dirty="0"/>
+          </a:p>
+        </p:txBody>
+      </p:sp>
+      <p:sp>
+        <p:nvSpPr>
+          <p:cNvPr id="4" name="Date Placeholder 3"/>
+          <p:cNvSpPr>
+            <a:spLocks noGrp="1"/>
+          </p:cNvSpPr>
+          <p:nvPr>
+            <p:ph type="dt" sz="half" idx="10"/>
+          </p:nvPr>
+        </p:nvSpPr>
+        <p:spPr/>
+        <p:txBody>
+          <a:bodyPr/>
+          <a:lstStyle/>
+          <a:p>
             <a:fld id="{C8949D56-DBDD-4CB9-A3EC-4A16FD22C3CB}" type="datetime1">
               <a:rPr lang="en-US" smtClean="0"/>
-              <a:t>3/4/2016</a:t>
+              <a:t>3/24/2016</a:t>
             </a:fld>
             <a:endParaRPr lang="en-US" dirty="0"/>
           </a:p>
@@ -1873,7 +2131,7 @@
           <a:p>
             <a:fld id="{E3E34EB4-00C5-4FA1-9F1F-A5DB9917576B}" type="datetime1">
               <a:rPr lang="en-US" smtClean="0"/>
-              <a:t>3/4/2016</a:t>
+              <a:t>3/24/2016</a:t>
             </a:fld>
             <a:endParaRPr lang="en-US"/>
           </a:p>
@@ -1970,7 +2228,7 @@
           <p:nvPr/>
         </p:nvPicPr>
         <p:blipFill>
-          <a:blip r:embed="rId3"/>
+          <a:blip r:embed="rId4"/>
           <a:stretch>
             <a:fillRect/>
           </a:stretch>
@@ -1995,6 +2253,7 @@
   <p:clrMap bg1="lt1" tx1="dk1" bg2="lt2" tx2="dk2" accent1="accent1" accent2="accent2" accent3="accent3" accent4="accent4" accent5="accent5" accent6="accent6" hlink="hlink" folHlink="folHlink"/>
   <p:sldLayoutIdLst>
     <p:sldLayoutId id="2147483681" r:id="rId1"/>
+    <p:sldLayoutId id="2147483708" r:id="rId2"/>
   </p:sldLayoutIdLst>
   <p:hf hdr="0"/>
   <p:txStyles>
@@ -2368,7 +2627,7 @@
           <a:p>
             <a:fld id="{CEDF276F-932A-4A71-8413-FB71F9D3241C}" type="datetime1">
               <a:rPr lang="en-US" smtClean="0"/>
-              <a:t>3/4/2016</a:t>
+              <a:t>3/24/2016</a:t>
             </a:fld>
             <a:endParaRPr lang="en-US"/>
           </a:p>
@@ -2832,7 +3091,7 @@
           <a:p>
             <a:fld id="{C886C40D-F01F-4C78-860B-D4913DC84A01}" type="datetime1">
               <a:rPr lang="en-US" smtClean="0"/>
-              <a:t>3/4/2016</a:t>
+              <a:t>3/24/2016</a:t>
             </a:fld>
             <a:endParaRPr lang="en-US"/>
           </a:p>
@@ -3390,7 +3649,7 @@
           <a:p>
             <a:fld id="{C8949D56-DBDD-4CB9-A3EC-4A16FD22C3CB}" type="datetime1">
               <a:rPr lang="en-US" smtClean="0"/>
-              <a:t>3/4/2016</a:t>
+              <a:t>3/24/2016</a:t>
             </a:fld>
             <a:endParaRPr lang="en-US" dirty="0"/>
           </a:p>
@@ -3689,7 +3948,7 @@
           <a:p>
             <a:fld id="{C8949D56-DBDD-4CB9-A3EC-4A16FD22C3CB}" type="datetime1">
               <a:rPr lang="en-US" smtClean="0"/>
-              <a:t>3/4/2016</a:t>
+              <a:t>3/24/2016</a:t>
             </a:fld>
             <a:endParaRPr lang="en-US" dirty="0"/>
           </a:p>
@@ -3847,11 +4106,7 @@
             </a:r>
             <a:r>
               <a:rPr lang="en-US" smtClean="0"/>
-              <a:t>and </a:t>
-            </a:r>
-            <a:r>
-              <a:rPr lang="en-US" smtClean="0"/>
-              <a:t>JRE(1.8).</a:t>
+              <a:t>and JRE(1.8).</a:t>
             </a:r>
             <a:endParaRPr lang="en-US" dirty="0" smtClean="0"/>
           </a:p>
@@ -3887,7 +4142,7 @@
           <a:p>
             <a:fld id="{C8949D56-DBDD-4CB9-A3EC-4A16FD22C3CB}" type="datetime1">
               <a:rPr lang="en-US" smtClean="0"/>
-              <a:t>3/4/2016</a:t>
+              <a:t>3/24/2016</a:t>
             </a:fld>
             <a:endParaRPr lang="en-US" dirty="0"/>
           </a:p>
@@ -4093,7 +4348,7 @@
           <a:p>
             <a:fld id="{C8949D56-DBDD-4CB9-A3EC-4A16FD22C3CB}" type="datetime1">
               <a:rPr lang="en-US" smtClean="0"/>
-              <a:t>3/4/2016</a:t>
+              <a:t>3/24/2016</a:t>
             </a:fld>
             <a:endParaRPr lang="en-US" dirty="0"/>
           </a:p>
@@ -4281,7 +4536,7 @@
           <a:p>
             <a:fld id="{C8949D56-DBDD-4CB9-A3EC-4A16FD22C3CB}" type="datetime1">
               <a:rPr lang="en-US" smtClean="0"/>
-              <a:t>3/4/2016</a:t>
+              <a:t>3/24/2016</a:t>
             </a:fld>
             <a:endParaRPr lang="en-US" dirty="0"/>
           </a:p>
@@ -4482,7 +4737,7 @@
           <a:p>
             <a:fld id="{C8949D56-DBDD-4CB9-A3EC-4A16FD22C3CB}" type="datetime1">
               <a:rPr lang="en-US" smtClean="0"/>
-              <a:t>3/4/2016</a:t>
+              <a:t>3/24/2016</a:t>
             </a:fld>
             <a:endParaRPr lang="en-US" dirty="0"/>
           </a:p>
@@ -4667,7 +4922,7 @@
           <a:p>
             <a:fld id="{C8949D56-DBDD-4CB9-A3EC-4A16FD22C3CB}" type="datetime1">
               <a:rPr lang="en-US" smtClean="0"/>
-              <a:t>3/4/2016</a:t>
+              <a:t>3/24/2016</a:t>
             </a:fld>
             <a:endParaRPr lang="en-US" dirty="0"/>
           </a:p>
@@ -4825,7 +5080,7 @@
           <a:p>
             <a:fld id="{C8949D56-DBDD-4CB9-A3EC-4A16FD22C3CB}" type="datetime1">
               <a:rPr lang="en-US" smtClean="0"/>
-              <a:t>3/4/2016</a:t>
+              <a:t>3/24/2016</a:t>
             </a:fld>
             <a:endParaRPr lang="en-US" dirty="0"/>
           </a:p>
@@ -5012,7 +5267,7 @@
           <a:p>
             <a:fld id="{C8949D56-DBDD-4CB9-A3EC-4A16FD22C3CB}" type="datetime1">
               <a:rPr lang="en-US" smtClean="0"/>
-              <a:t>3/4/2016</a:t>
+              <a:t>3/24/2016</a:t>
             </a:fld>
             <a:endParaRPr lang="en-US" dirty="0"/>
           </a:p>
@@ -5171,7 +5426,7 @@
           <a:p>
             <a:fld id="{C8949D56-DBDD-4CB9-A3EC-4A16FD22C3CB}" type="datetime1">
               <a:rPr lang="en-US" smtClean="0"/>
-              <a:t>3/4/2016</a:t>
+              <a:t>3/24/2016</a:t>
             </a:fld>
             <a:endParaRPr lang="en-US" dirty="0"/>
           </a:p>
@@ -5434,8 +5689,21 @@
             </a:r>
             <a:r>
               <a:rPr lang="en-US" dirty="0" smtClean="0"/>
-              <a:t> server</a:t>
-            </a:r>
+              <a:t> </a:t>
+            </a:r>
+            <a:r>
+              <a:rPr lang="en-US" dirty="0" smtClean="0"/>
+              <a:t>server</a:t>
+            </a:r>
+          </a:p>
+          <a:p>
+            <a:r>
+              <a:rPr lang="en-US" dirty="0"/>
+              <a:t>Configure workspace to import existing project </a:t>
+            </a:r>
+            <a:endParaRPr lang="en-US" dirty="0" smtClean="0"/>
+          </a:p>
+          <a:p>
             <a:endParaRPr lang="en-US" dirty="0"/>
           </a:p>
           <a:p>
@@ -5460,7 +5728,7 @@
           <a:p>
             <a:r>
               <a:rPr lang="en-US" dirty="0" smtClean="0"/>
-              <a:t>Agenda</a:t>
+              <a:t>Modules</a:t>
             </a:r>
             <a:endParaRPr lang="en-US" dirty="0"/>
           </a:p>
@@ -5483,7 +5751,7 @@
           <a:p>
             <a:fld id="{5461B401-77E7-4645-B66A-A240DDBF3636}" type="datetime1">
               <a:rPr lang="en-US" smtClean="0"/>
-              <a:t>3/4/2016</a:t>
+              <a:t>3/24/2016</a:t>
             </a:fld>
             <a:endParaRPr lang="en-US" dirty="0"/>
           </a:p>
@@ -5618,7 +5886,7 @@
           <a:p>
             <a:fld id="{C8949D56-DBDD-4CB9-A3EC-4A16FD22C3CB}" type="datetime1">
               <a:rPr lang="en-US" smtClean="0"/>
-              <a:t>3/4/2016</a:t>
+              <a:t>3/24/2016</a:t>
             </a:fld>
             <a:endParaRPr lang="en-US" dirty="0"/>
           </a:p>
@@ -5791,7 +6059,7 @@
           <a:p>
             <a:fld id="{C8949D56-DBDD-4CB9-A3EC-4A16FD22C3CB}" type="datetime1">
               <a:rPr lang="en-US" smtClean="0"/>
-              <a:t>3/4/2016</a:t>
+              <a:t>3/24/2016</a:t>
             </a:fld>
             <a:endParaRPr lang="en-US" dirty="0"/>
           </a:p>
@@ -5979,7 +6247,7 @@
           <a:p>
             <a:fld id="{C8949D56-DBDD-4CB9-A3EC-4A16FD22C3CB}" type="datetime1">
               <a:rPr lang="en-US" smtClean="0"/>
-              <a:t>3/4/2016</a:t>
+              <a:t>3/24/2016</a:t>
             </a:fld>
             <a:endParaRPr lang="en-US" dirty="0"/>
           </a:p>
@@ -6176,7 +6444,7 @@
           <a:p>
             <a:fld id="{C8949D56-DBDD-4CB9-A3EC-4A16FD22C3CB}" type="datetime1">
               <a:rPr lang="en-US" smtClean="0"/>
-              <a:t>3/4/2016</a:t>
+              <a:t>3/24/2016</a:t>
             </a:fld>
             <a:endParaRPr lang="en-US" dirty="0"/>
           </a:p>
@@ -6363,7 +6631,7 @@
           <a:p>
             <a:fld id="{C8949D56-DBDD-4CB9-A3EC-4A16FD22C3CB}" type="datetime1">
               <a:rPr lang="en-US" smtClean="0"/>
-              <a:t>3/4/2016</a:t>
+              <a:t>3/24/2016</a:t>
             </a:fld>
             <a:endParaRPr lang="en-US" dirty="0"/>
           </a:p>
@@ -6547,7 +6815,7 @@
           <a:p>
             <a:fld id="{C8949D56-DBDD-4CB9-A3EC-4A16FD22C3CB}" type="datetime1">
               <a:rPr lang="en-US" smtClean="0"/>
-              <a:t>3/4/2016</a:t>
+              <a:t>3/24/2016</a:t>
             </a:fld>
             <a:endParaRPr lang="en-US" dirty="0"/>
           </a:p>
@@ -6736,7 +7004,7 @@
           <a:p>
             <a:fld id="{C8949D56-DBDD-4CB9-A3EC-4A16FD22C3CB}" type="datetime1">
               <a:rPr lang="en-US" smtClean="0"/>
-              <a:t>3/4/2016</a:t>
+              <a:t>3/24/2016</a:t>
             </a:fld>
             <a:endParaRPr lang="en-US" dirty="0"/>
           </a:p>
@@ -6923,7 +7191,7 @@
           <a:p>
             <a:fld id="{C8949D56-DBDD-4CB9-A3EC-4A16FD22C3CB}" type="datetime1">
               <a:rPr lang="en-US" smtClean="0"/>
-              <a:t>3/4/2016</a:t>
+              <a:t>3/24/2016</a:t>
             </a:fld>
             <a:endParaRPr lang="en-US" dirty="0"/>
           </a:p>
@@ -7115,7 +7383,7 @@
           <a:p>
             <a:fld id="{C8949D56-DBDD-4CB9-A3EC-4A16FD22C3CB}" type="datetime1">
               <a:rPr lang="en-US" smtClean="0"/>
-              <a:t>3/4/2016</a:t>
+              <a:t>3/24/2016</a:t>
             </a:fld>
             <a:endParaRPr lang="en-US" dirty="0"/>
           </a:p>
@@ -7311,7 +7579,7 @@
           <a:p>
             <a:fld id="{C8949D56-DBDD-4CB9-A3EC-4A16FD22C3CB}" type="datetime1">
               <a:rPr lang="en-US" smtClean="0"/>
-              <a:t>3/4/2016</a:t>
+              <a:t>3/24/2016</a:t>
             </a:fld>
             <a:endParaRPr lang="en-US" dirty="0"/>
           </a:p>
@@ -7487,7 +7755,7 @@
           <a:p>
             <a:fld id="{7AC11F0B-9A29-4EBD-B631-6648006CA4E4}" type="datetime1">
               <a:rPr lang="en-US" smtClean="0"/>
-              <a:t>3/4/2016</a:t>
+              <a:t>3/24/2016</a:t>
             </a:fld>
             <a:endParaRPr lang="en-US" dirty="0"/>
           </a:p>
@@ -7674,7 +7942,7 @@
           <a:p>
             <a:fld id="{C8949D56-DBDD-4CB9-A3EC-4A16FD22C3CB}" type="datetime1">
               <a:rPr lang="en-US" smtClean="0"/>
-              <a:t>3/4/2016</a:t>
+              <a:t>3/24/2016</a:t>
             </a:fld>
             <a:endParaRPr lang="en-US" dirty="0"/>
           </a:p>
@@ -7831,7 +8099,7 @@
           <a:p>
             <a:fld id="{C8949D56-DBDD-4CB9-A3EC-4A16FD22C3CB}" type="datetime1">
               <a:rPr lang="en-US" smtClean="0"/>
-              <a:t>3/4/2016</a:t>
+              <a:t>3/24/2016</a:t>
             </a:fld>
             <a:endParaRPr lang="en-US" dirty="0"/>
           </a:p>
@@ -8013,7 +8281,7 @@
           <a:p>
             <a:fld id="{C8949D56-DBDD-4CB9-A3EC-4A16FD22C3CB}" type="datetime1">
               <a:rPr lang="en-US" smtClean="0"/>
-              <a:t>3/4/2016</a:t>
+              <a:t>3/24/2016</a:t>
             </a:fld>
             <a:endParaRPr lang="en-US" dirty="0"/>
           </a:p>
@@ -8108,6 +8376,1301 @@
 </p:sld>
 </file>
 
+<file path=ppt/slides/slide33.xml><?xml version="1.0" encoding="utf-8"?>
+<p:sld xmlns:a="http://schemas.openxmlformats.org/drawingml/2006/main" xmlns:r="http://schemas.openxmlformats.org/officeDocument/2006/relationships" xmlns:p="http://schemas.openxmlformats.org/presentationml/2006/main">
+  <p:cSld>
+    <p:spTree>
+      <p:nvGrpSpPr>
+        <p:cNvPr id="1" name=""/>
+        <p:cNvGrpSpPr/>
+        <p:nvPr/>
+      </p:nvGrpSpPr>
+      <p:grpSpPr>
+        <a:xfrm>
+          <a:off x="0" y="0"/>
+          <a:ext cx="0" cy="0"/>
+          <a:chOff x="0" y="0"/>
+          <a:chExt cx="0" cy="0"/>
+        </a:xfrm>
+      </p:grpSpPr>
+      <p:sp>
+        <p:nvSpPr>
+          <p:cNvPr id="7" name="Title 6"/>
+          <p:cNvSpPr>
+            <a:spLocks noGrp="1"/>
+          </p:cNvSpPr>
+          <p:nvPr>
+            <p:ph type="title"/>
+          </p:nvPr>
+        </p:nvSpPr>
+        <p:spPr>
+          <a:xfrm>
+            <a:off x="768095" y="2481944"/>
+            <a:ext cx="6226091" cy="1734834"/>
+          </a:xfrm>
+        </p:spPr>
+        <p:txBody>
+          <a:bodyPr/>
+          <a:lstStyle/>
+          <a:p>
+            <a:r>
+              <a:rPr lang="en-US" dirty="0" smtClean="0"/>
+              <a:t>Configure workspace to import existing project </a:t>
+            </a:r>
+            <a:endParaRPr lang="en-US" dirty="0"/>
+          </a:p>
+        </p:txBody>
+      </p:sp>
+      <p:sp>
+        <p:nvSpPr>
+          <p:cNvPr id="8" name="Text Placeholder 7"/>
+          <p:cNvSpPr>
+            <a:spLocks noGrp="1"/>
+          </p:cNvSpPr>
+          <p:nvPr>
+            <p:ph type="body" sz="quarter" idx="11"/>
+          </p:nvPr>
+        </p:nvSpPr>
+        <p:spPr/>
+        <p:txBody>
+          <a:bodyPr/>
+          <a:lstStyle/>
+          <a:p>
+            <a:endParaRPr lang="en-US"/>
+          </a:p>
+        </p:txBody>
+      </p:sp>
+      <p:sp>
+        <p:nvSpPr>
+          <p:cNvPr id="3" name="Date Placeholder 2"/>
+          <p:cNvSpPr>
+            <a:spLocks noGrp="1"/>
+          </p:cNvSpPr>
+          <p:nvPr>
+            <p:ph type="dt" sz="half" idx="4294967295"/>
+          </p:nvPr>
+        </p:nvSpPr>
+        <p:spPr>
+          <a:xfrm>
+            <a:off x="0" y="6356350"/>
+            <a:ext cx="2057400" cy="365125"/>
+          </a:xfrm>
+          <a:prstGeom prst="rect">
+            <a:avLst/>
+          </a:prstGeom>
+        </p:spPr>
+        <p:txBody>
+          <a:bodyPr/>
+          <a:lstStyle/>
+          <a:p>
+            <a:fld id="{C8949D56-DBDD-4CB9-A3EC-4A16FD22C3CB}" type="datetime1">
+              <a:rPr lang="en-US" smtClean="0"/>
+              <a:t>3/24/2016</a:t>
+            </a:fld>
+            <a:endParaRPr lang="en-US" dirty="0"/>
+          </a:p>
+        </p:txBody>
+      </p:sp>
+      <p:sp>
+        <p:nvSpPr>
+          <p:cNvPr id="4" name="Footer Placeholder 3"/>
+          <p:cNvSpPr>
+            <a:spLocks noGrp="1"/>
+          </p:cNvSpPr>
+          <p:nvPr>
+            <p:ph type="ftr" sz="quarter" idx="4294967295"/>
+          </p:nvPr>
+        </p:nvSpPr>
+        <p:spPr>
+          <a:xfrm>
+            <a:off x="0" y="5381897"/>
+            <a:ext cx="3814354" cy="1339579"/>
+          </a:xfrm>
+          <a:prstGeom prst="rect">
+            <a:avLst/>
+          </a:prstGeom>
+        </p:spPr>
+        <p:txBody>
+          <a:bodyPr/>
+          <a:lstStyle/>
+          <a:p>
+            <a:r>
+              <a:rPr lang="en-US" dirty="0" smtClean="0"/>
+              <a:t>All rights reserved by Five 9 Group, Inc.</a:t>
+            </a:r>
+            <a:endParaRPr lang="en-US" dirty="0"/>
+          </a:p>
+        </p:txBody>
+      </p:sp>
+      <p:sp>
+        <p:nvSpPr>
+          <p:cNvPr id="5" name="Slide Number Placeholder 4"/>
+          <p:cNvSpPr>
+            <a:spLocks noGrp="1"/>
+          </p:cNvSpPr>
+          <p:nvPr>
+            <p:ph type="sldNum" sz="quarter" idx="4294967295"/>
+          </p:nvPr>
+        </p:nvSpPr>
+        <p:spPr>
+          <a:xfrm>
+            <a:off x="7086600" y="6356350"/>
+            <a:ext cx="2057400" cy="365125"/>
+          </a:xfrm>
+          <a:prstGeom prst="rect">
+            <a:avLst/>
+          </a:prstGeom>
+        </p:spPr>
+        <p:txBody>
+          <a:bodyPr/>
+          <a:lstStyle/>
+          <a:p>
+            <a:fld id="{125AF1D8-B0AE-4E77-AA99-EC861FD2EC07}" type="slidenum">
+              <a:rPr lang="en-US" smtClean="0"/>
+              <a:t>32</a:t>
+            </a:fld>
+            <a:endParaRPr lang="en-US"/>
+          </a:p>
+        </p:txBody>
+      </p:sp>
+    </p:spTree>
+    <p:extLst>
+      <p:ext uri="{BB962C8B-B14F-4D97-AF65-F5344CB8AC3E}">
+        <p14:creationId xmlns:p14="http://schemas.microsoft.com/office/powerpoint/2010/main" val="1513827371"/>
+      </p:ext>
+    </p:extLst>
+  </p:cSld>
+  <p:clrMapOvr>
+    <a:masterClrMapping/>
+  </p:clrMapOvr>
+</p:sld>
+</file>
+
+<file path=ppt/slides/slide34.xml><?xml version="1.0" encoding="utf-8"?>
+<p:sld xmlns:a="http://schemas.openxmlformats.org/drawingml/2006/main" xmlns:r="http://schemas.openxmlformats.org/officeDocument/2006/relationships" xmlns:p="http://schemas.openxmlformats.org/presentationml/2006/main">
+  <p:cSld>
+    <p:spTree>
+      <p:nvGrpSpPr>
+        <p:cNvPr id="1" name=""/>
+        <p:cNvGrpSpPr/>
+        <p:nvPr/>
+      </p:nvGrpSpPr>
+      <p:grpSpPr>
+        <a:xfrm>
+          <a:off x="0" y="0"/>
+          <a:ext cx="0" cy="0"/>
+          <a:chOff x="0" y="0"/>
+          <a:chExt cx="0" cy="0"/>
+        </a:xfrm>
+      </p:grpSpPr>
+      <p:sp>
+        <p:nvSpPr>
+          <p:cNvPr id="2" name="Content Placeholder 1"/>
+          <p:cNvSpPr>
+            <a:spLocks noGrp="1"/>
+          </p:cNvSpPr>
+          <p:nvPr>
+            <p:ph idx="1"/>
+          </p:nvPr>
+        </p:nvSpPr>
+        <p:spPr/>
+        <p:txBody>
+          <a:bodyPr/>
+          <a:lstStyle/>
+          <a:p>
+            <a:r>
+              <a:rPr lang="en-US" dirty="0" smtClean="0"/>
+              <a:t>Open Eclipse, </a:t>
+            </a:r>
+          </a:p>
+          <a:p>
+            <a:r>
+              <a:rPr lang="en-US" dirty="0"/>
+              <a:t>C</a:t>
+            </a:r>
+            <a:r>
+              <a:rPr lang="en-US" dirty="0" smtClean="0"/>
+              <a:t>reate workspace </a:t>
+            </a:r>
+          </a:p>
+          <a:p>
+            <a:r>
+              <a:rPr lang="en-US" dirty="0" smtClean="0"/>
+              <a:t>Clone existing project from remote server </a:t>
+            </a:r>
+          </a:p>
+          <a:p>
+            <a:r>
+              <a:rPr lang="en-US" dirty="0" smtClean="0"/>
+              <a:t>Import the existing project.</a:t>
+            </a:r>
+            <a:endParaRPr lang="en-US" dirty="0"/>
+          </a:p>
+        </p:txBody>
+      </p:sp>
+      <p:sp>
+        <p:nvSpPr>
+          <p:cNvPr id="3" name="Date Placeholder 2"/>
+          <p:cNvSpPr>
+            <a:spLocks noGrp="1"/>
+          </p:cNvSpPr>
+          <p:nvPr>
+            <p:ph type="dt" sz="half" idx="10"/>
+          </p:nvPr>
+        </p:nvSpPr>
+        <p:spPr/>
+        <p:txBody>
+          <a:bodyPr/>
+          <a:lstStyle/>
+          <a:p>
+            <a:fld id="{C8949D56-DBDD-4CB9-A3EC-4A16FD22C3CB}" type="datetime1">
+              <a:rPr lang="en-US" smtClean="0"/>
+              <a:t>3/24/2016</a:t>
+            </a:fld>
+            <a:endParaRPr lang="en-US" dirty="0"/>
+          </a:p>
+        </p:txBody>
+      </p:sp>
+      <p:sp>
+        <p:nvSpPr>
+          <p:cNvPr id="4" name="Footer Placeholder 3"/>
+          <p:cNvSpPr>
+            <a:spLocks noGrp="1"/>
+          </p:cNvSpPr>
+          <p:nvPr>
+            <p:ph type="ftr" sz="quarter" idx="11"/>
+          </p:nvPr>
+        </p:nvSpPr>
+        <p:spPr/>
+        <p:txBody>
+          <a:bodyPr/>
+          <a:lstStyle/>
+          <a:p>
+            <a:r>
+              <a:rPr lang="en-US" smtClean="0"/>
+              <a:t>All rights reserved by Five 9 Group, Inc.</a:t>
+            </a:r>
+            <a:endParaRPr lang="en-US" dirty="0"/>
+          </a:p>
+        </p:txBody>
+      </p:sp>
+      <p:sp>
+        <p:nvSpPr>
+          <p:cNvPr id="5" name="Slide Number Placeholder 4"/>
+          <p:cNvSpPr>
+            <a:spLocks noGrp="1"/>
+          </p:cNvSpPr>
+          <p:nvPr>
+            <p:ph type="sldNum" sz="quarter" idx="12"/>
+          </p:nvPr>
+        </p:nvSpPr>
+        <p:spPr/>
+        <p:txBody>
+          <a:bodyPr/>
+          <a:lstStyle/>
+          <a:p>
+            <a:fld id="{125AF1D8-B0AE-4E77-AA99-EC861FD2EC07}" type="slidenum">
+              <a:rPr lang="en-US" smtClean="0"/>
+              <a:t>33</a:t>
+            </a:fld>
+            <a:endParaRPr lang="en-US"/>
+          </a:p>
+        </p:txBody>
+      </p:sp>
+      <p:sp>
+        <p:nvSpPr>
+          <p:cNvPr id="6" name="Title 5"/>
+          <p:cNvSpPr>
+            <a:spLocks noGrp="1"/>
+          </p:cNvSpPr>
+          <p:nvPr>
+            <p:ph type="title"/>
+          </p:nvPr>
+        </p:nvSpPr>
+        <p:spPr/>
+        <p:txBody>
+          <a:bodyPr/>
+          <a:lstStyle/>
+          <a:p>
+            <a:r>
+              <a:rPr lang="en-US" dirty="0" smtClean="0"/>
+              <a:t>Setting up Environment</a:t>
+            </a:r>
+            <a:endParaRPr lang="en-US" dirty="0"/>
+          </a:p>
+        </p:txBody>
+      </p:sp>
+    </p:spTree>
+    <p:extLst>
+      <p:ext uri="{BB962C8B-B14F-4D97-AF65-F5344CB8AC3E}">
+        <p14:creationId xmlns:p14="http://schemas.microsoft.com/office/powerpoint/2010/main" val="3700895063"/>
+      </p:ext>
+    </p:extLst>
+  </p:cSld>
+  <p:clrMapOvr>
+    <a:masterClrMapping/>
+  </p:clrMapOvr>
+</p:sld>
+</file>
+
+<file path=ppt/slides/slide35.xml><?xml version="1.0" encoding="utf-8"?>
+<p:sld xmlns:a="http://schemas.openxmlformats.org/drawingml/2006/main" xmlns:r="http://schemas.openxmlformats.org/officeDocument/2006/relationships" xmlns:p="http://schemas.openxmlformats.org/presentationml/2006/main">
+  <p:cSld>
+    <p:spTree>
+      <p:nvGrpSpPr>
+        <p:cNvPr id="1" name=""/>
+        <p:cNvGrpSpPr/>
+        <p:nvPr/>
+      </p:nvGrpSpPr>
+      <p:grpSpPr>
+        <a:xfrm>
+          <a:off x="0" y="0"/>
+          <a:ext cx="0" cy="0"/>
+          <a:chOff x="0" y="0"/>
+          <a:chExt cx="0" cy="0"/>
+        </a:xfrm>
+      </p:grpSpPr>
+      <p:sp>
+        <p:nvSpPr>
+          <p:cNvPr id="2" name="Content Placeholder 1"/>
+          <p:cNvSpPr>
+            <a:spLocks noGrp="1"/>
+          </p:cNvSpPr>
+          <p:nvPr>
+            <p:ph idx="1"/>
+          </p:nvPr>
+        </p:nvSpPr>
+        <p:spPr/>
+        <p:txBody>
+          <a:bodyPr/>
+          <a:lstStyle/>
+          <a:p>
+            <a:r>
+              <a:rPr lang="en-US" dirty="0" smtClean="0"/>
+              <a:t>Specify </a:t>
+            </a:r>
+            <a:r>
+              <a:rPr lang="en-US" dirty="0"/>
+              <a:t>where you want your workspace and </a:t>
+            </a:r>
+            <a:r>
+              <a:rPr lang="en-US" dirty="0" smtClean="0"/>
+              <a:t>ok.</a:t>
+            </a:r>
+          </a:p>
+          <a:p>
+            <a:endParaRPr lang="en-US" dirty="0"/>
+          </a:p>
+          <a:p>
+            <a:endParaRPr lang="en-US" dirty="0"/>
+          </a:p>
+        </p:txBody>
+      </p:sp>
+      <p:sp>
+        <p:nvSpPr>
+          <p:cNvPr id="3" name="Date Placeholder 2"/>
+          <p:cNvSpPr>
+            <a:spLocks noGrp="1"/>
+          </p:cNvSpPr>
+          <p:nvPr>
+            <p:ph type="dt" sz="half" idx="10"/>
+          </p:nvPr>
+        </p:nvSpPr>
+        <p:spPr/>
+        <p:txBody>
+          <a:bodyPr/>
+          <a:lstStyle/>
+          <a:p>
+            <a:fld id="{C8949D56-DBDD-4CB9-A3EC-4A16FD22C3CB}" type="datetime1">
+              <a:rPr lang="en-US" smtClean="0"/>
+              <a:t>3/24/2016</a:t>
+            </a:fld>
+            <a:endParaRPr lang="en-US" dirty="0"/>
+          </a:p>
+        </p:txBody>
+      </p:sp>
+      <p:sp>
+        <p:nvSpPr>
+          <p:cNvPr id="4" name="Footer Placeholder 3"/>
+          <p:cNvSpPr>
+            <a:spLocks noGrp="1"/>
+          </p:cNvSpPr>
+          <p:nvPr>
+            <p:ph type="ftr" sz="quarter" idx="11"/>
+          </p:nvPr>
+        </p:nvSpPr>
+        <p:spPr/>
+        <p:txBody>
+          <a:bodyPr/>
+          <a:lstStyle/>
+          <a:p>
+            <a:r>
+              <a:rPr lang="en-US" smtClean="0"/>
+              <a:t>All rights reserved by Five 9 Group, Inc.</a:t>
+            </a:r>
+            <a:endParaRPr lang="en-US" dirty="0"/>
+          </a:p>
+        </p:txBody>
+      </p:sp>
+      <p:sp>
+        <p:nvSpPr>
+          <p:cNvPr id="5" name="Slide Number Placeholder 4"/>
+          <p:cNvSpPr>
+            <a:spLocks noGrp="1"/>
+          </p:cNvSpPr>
+          <p:nvPr>
+            <p:ph type="sldNum" sz="quarter" idx="12"/>
+          </p:nvPr>
+        </p:nvSpPr>
+        <p:spPr/>
+        <p:txBody>
+          <a:bodyPr/>
+          <a:lstStyle/>
+          <a:p>
+            <a:fld id="{125AF1D8-B0AE-4E77-AA99-EC861FD2EC07}" type="slidenum">
+              <a:rPr lang="en-US" smtClean="0"/>
+              <a:t>34</a:t>
+            </a:fld>
+            <a:endParaRPr lang="en-US"/>
+          </a:p>
+        </p:txBody>
+      </p:sp>
+      <p:sp>
+        <p:nvSpPr>
+          <p:cNvPr id="6" name="Title 5"/>
+          <p:cNvSpPr>
+            <a:spLocks noGrp="1"/>
+          </p:cNvSpPr>
+          <p:nvPr>
+            <p:ph type="title"/>
+          </p:nvPr>
+        </p:nvSpPr>
+        <p:spPr/>
+        <p:txBody>
+          <a:bodyPr/>
+          <a:lstStyle/>
+          <a:p>
+            <a:r>
+              <a:rPr lang="en-US" dirty="0" smtClean="0"/>
+              <a:t>Create Workspace</a:t>
+            </a:r>
+            <a:endParaRPr lang="en-US" dirty="0"/>
+          </a:p>
+        </p:txBody>
+      </p:sp>
+      <p:pic>
+        <p:nvPicPr>
+          <p:cNvPr id="7" name="Picture 6"/>
+          <p:cNvPicPr>
+            <a:picLocks noChangeAspect="1"/>
+          </p:cNvPicPr>
+          <p:nvPr/>
+        </p:nvPicPr>
+        <p:blipFill>
+          <a:blip r:embed="rId2">
+            <a:extLst>
+              <a:ext uri="{28A0092B-C50C-407E-A947-70E740481C1C}">
+                <a14:useLocalDpi xmlns:a14="http://schemas.microsoft.com/office/drawing/2010/main" val="0"/>
+              </a:ext>
+            </a:extLst>
+          </a:blip>
+          <a:stretch>
+            <a:fillRect/>
+          </a:stretch>
+        </p:blipFill>
+        <p:spPr>
+          <a:xfrm>
+            <a:off x="447737" y="2356672"/>
+            <a:ext cx="8201026" cy="3999678"/>
+          </a:xfrm>
+          <a:prstGeom prst="rect">
+            <a:avLst/>
+          </a:prstGeom>
+        </p:spPr>
+      </p:pic>
+    </p:spTree>
+    <p:extLst>
+      <p:ext uri="{BB962C8B-B14F-4D97-AF65-F5344CB8AC3E}">
+        <p14:creationId xmlns:p14="http://schemas.microsoft.com/office/powerpoint/2010/main" val="180009132"/>
+      </p:ext>
+    </p:extLst>
+  </p:cSld>
+  <p:clrMapOvr>
+    <a:masterClrMapping/>
+  </p:clrMapOvr>
+</p:sld>
+</file>
+
+<file path=ppt/slides/slide36.xml><?xml version="1.0" encoding="utf-8"?>
+<p:sld xmlns:a="http://schemas.openxmlformats.org/drawingml/2006/main" xmlns:r="http://schemas.openxmlformats.org/officeDocument/2006/relationships" xmlns:p="http://schemas.openxmlformats.org/presentationml/2006/main">
+  <p:cSld>
+    <p:spTree>
+      <p:nvGrpSpPr>
+        <p:cNvPr id="1" name=""/>
+        <p:cNvGrpSpPr/>
+        <p:nvPr/>
+      </p:nvGrpSpPr>
+      <p:grpSpPr>
+        <a:xfrm>
+          <a:off x="0" y="0"/>
+          <a:ext cx="0" cy="0"/>
+          <a:chOff x="0" y="0"/>
+          <a:chExt cx="0" cy="0"/>
+        </a:xfrm>
+      </p:grpSpPr>
+      <p:sp>
+        <p:nvSpPr>
+          <p:cNvPr id="2" name="Content Placeholder 1"/>
+          <p:cNvSpPr>
+            <a:spLocks noGrp="1"/>
+          </p:cNvSpPr>
+          <p:nvPr>
+            <p:ph idx="1"/>
+          </p:nvPr>
+        </p:nvSpPr>
+        <p:spPr>
+          <a:xfrm>
+            <a:off x="628648" y="1058091"/>
+            <a:ext cx="8020115" cy="5099518"/>
+          </a:xfrm>
+        </p:spPr>
+        <p:txBody>
+          <a:bodyPr/>
+          <a:lstStyle/>
+          <a:p>
+            <a:r>
+              <a:rPr lang="en-US" dirty="0"/>
+              <a:t>A sample </a:t>
+            </a:r>
+            <a:r>
+              <a:rPr lang="en-US" dirty="0" smtClean="0"/>
+              <a:t>Application </a:t>
+            </a:r>
+            <a:r>
+              <a:rPr lang="en-US" dirty="0"/>
+              <a:t>is already checked in to the remote server. We will fetch that </a:t>
+            </a:r>
+            <a:r>
+              <a:rPr lang="en-US" dirty="0" smtClean="0"/>
+              <a:t>to eclipse by navigating to Repository view </a:t>
+            </a:r>
+            <a:r>
+              <a:rPr lang="en-US" dirty="0" smtClean="0">
+                <a:sym typeface="Wingdings" panose="05000000000000000000" pitchFamily="2" charset="2"/>
+              </a:rPr>
+              <a:t>Clone Repository </a:t>
+            </a:r>
+            <a:r>
+              <a:rPr lang="en-US" dirty="0" smtClean="0"/>
+              <a:t> .</a:t>
+            </a:r>
+            <a:endParaRPr lang="en-US" dirty="0"/>
+          </a:p>
+          <a:p>
+            <a:endParaRPr lang="en-US" dirty="0"/>
+          </a:p>
+        </p:txBody>
+      </p:sp>
+      <p:sp>
+        <p:nvSpPr>
+          <p:cNvPr id="3" name="Date Placeholder 2"/>
+          <p:cNvSpPr>
+            <a:spLocks noGrp="1"/>
+          </p:cNvSpPr>
+          <p:nvPr>
+            <p:ph type="dt" sz="half" idx="10"/>
+          </p:nvPr>
+        </p:nvSpPr>
+        <p:spPr/>
+        <p:txBody>
+          <a:bodyPr/>
+          <a:lstStyle/>
+          <a:p>
+            <a:fld id="{C8949D56-DBDD-4CB9-A3EC-4A16FD22C3CB}" type="datetime1">
+              <a:rPr lang="en-US" smtClean="0"/>
+              <a:t>3/24/2016</a:t>
+            </a:fld>
+            <a:endParaRPr lang="en-US" dirty="0"/>
+          </a:p>
+        </p:txBody>
+      </p:sp>
+      <p:sp>
+        <p:nvSpPr>
+          <p:cNvPr id="4" name="Footer Placeholder 3"/>
+          <p:cNvSpPr>
+            <a:spLocks noGrp="1"/>
+          </p:cNvSpPr>
+          <p:nvPr>
+            <p:ph type="ftr" sz="quarter" idx="11"/>
+          </p:nvPr>
+        </p:nvSpPr>
+        <p:spPr/>
+        <p:txBody>
+          <a:bodyPr/>
+          <a:lstStyle/>
+          <a:p>
+            <a:r>
+              <a:rPr lang="en-US" smtClean="0"/>
+              <a:t>All rights reserved by Five 9 Group, Inc.</a:t>
+            </a:r>
+            <a:endParaRPr lang="en-US" dirty="0"/>
+          </a:p>
+        </p:txBody>
+      </p:sp>
+      <p:sp>
+        <p:nvSpPr>
+          <p:cNvPr id="5" name="Slide Number Placeholder 4"/>
+          <p:cNvSpPr>
+            <a:spLocks noGrp="1"/>
+          </p:cNvSpPr>
+          <p:nvPr>
+            <p:ph type="sldNum" sz="quarter" idx="12"/>
+          </p:nvPr>
+        </p:nvSpPr>
+        <p:spPr/>
+        <p:txBody>
+          <a:bodyPr/>
+          <a:lstStyle/>
+          <a:p>
+            <a:fld id="{125AF1D8-B0AE-4E77-AA99-EC861FD2EC07}" type="slidenum">
+              <a:rPr lang="en-US" smtClean="0"/>
+              <a:t>35</a:t>
+            </a:fld>
+            <a:endParaRPr lang="en-US"/>
+          </a:p>
+        </p:txBody>
+      </p:sp>
+      <p:sp>
+        <p:nvSpPr>
+          <p:cNvPr id="6" name="Title 5"/>
+          <p:cNvSpPr>
+            <a:spLocks noGrp="1"/>
+          </p:cNvSpPr>
+          <p:nvPr>
+            <p:ph type="title"/>
+          </p:nvPr>
+        </p:nvSpPr>
+        <p:spPr>
+          <a:xfrm>
+            <a:off x="339634" y="365125"/>
+            <a:ext cx="8804366" cy="987020"/>
+          </a:xfrm>
+        </p:spPr>
+        <p:txBody>
+          <a:bodyPr/>
+          <a:lstStyle/>
+          <a:p>
+            <a:r>
+              <a:rPr lang="en-US" dirty="0"/>
+              <a:t>Clone existing project from remote server </a:t>
+            </a:r>
+            <a:br>
+              <a:rPr lang="en-US" dirty="0"/>
+            </a:br>
+            <a:endParaRPr lang="en-US" dirty="0"/>
+          </a:p>
+        </p:txBody>
+      </p:sp>
+      <p:pic>
+        <p:nvPicPr>
+          <p:cNvPr id="8" name="Picture 7"/>
+          <p:cNvPicPr>
+            <a:picLocks noChangeAspect="1"/>
+          </p:cNvPicPr>
+          <p:nvPr/>
+        </p:nvPicPr>
+        <p:blipFill>
+          <a:blip r:embed="rId2">
+            <a:extLst>
+              <a:ext uri="{28A0092B-C50C-407E-A947-70E740481C1C}">
+                <a14:useLocalDpi xmlns:a14="http://schemas.microsoft.com/office/drawing/2010/main" val="0"/>
+              </a:ext>
+            </a:extLst>
+          </a:blip>
+          <a:stretch>
+            <a:fillRect/>
+          </a:stretch>
+        </p:blipFill>
+        <p:spPr>
+          <a:xfrm>
+            <a:off x="620485" y="2690949"/>
+            <a:ext cx="8242663" cy="3665401"/>
+          </a:xfrm>
+          <a:prstGeom prst="rect">
+            <a:avLst/>
+          </a:prstGeom>
+        </p:spPr>
+      </p:pic>
+    </p:spTree>
+    <p:extLst>
+      <p:ext uri="{BB962C8B-B14F-4D97-AF65-F5344CB8AC3E}">
+        <p14:creationId xmlns:p14="http://schemas.microsoft.com/office/powerpoint/2010/main" val="2184950767"/>
+      </p:ext>
+    </p:extLst>
+  </p:cSld>
+  <p:clrMapOvr>
+    <a:masterClrMapping/>
+  </p:clrMapOvr>
+</p:sld>
+</file>
+
+<file path=ppt/slides/slide37.xml><?xml version="1.0" encoding="utf-8"?>
+<p:sld xmlns:a="http://schemas.openxmlformats.org/drawingml/2006/main" xmlns:r="http://schemas.openxmlformats.org/officeDocument/2006/relationships" xmlns:p="http://schemas.openxmlformats.org/presentationml/2006/main">
+  <p:cSld>
+    <p:spTree>
+      <p:nvGrpSpPr>
+        <p:cNvPr id="1" name=""/>
+        <p:cNvGrpSpPr/>
+        <p:nvPr/>
+      </p:nvGrpSpPr>
+      <p:grpSpPr>
+        <a:xfrm>
+          <a:off x="0" y="0"/>
+          <a:ext cx="0" cy="0"/>
+          <a:chOff x="0" y="0"/>
+          <a:chExt cx="0" cy="0"/>
+        </a:xfrm>
+      </p:grpSpPr>
+      <p:sp>
+        <p:nvSpPr>
+          <p:cNvPr id="2" name="Content Placeholder 1"/>
+          <p:cNvSpPr>
+            <a:spLocks noGrp="1"/>
+          </p:cNvSpPr>
+          <p:nvPr>
+            <p:ph idx="1"/>
+          </p:nvPr>
+        </p:nvSpPr>
+        <p:spPr>
+          <a:xfrm>
+            <a:off x="628648" y="1489165"/>
+            <a:ext cx="8020115" cy="4668443"/>
+          </a:xfrm>
+        </p:spPr>
+        <p:txBody>
+          <a:bodyPr/>
+          <a:lstStyle/>
+          <a:p>
+            <a:r>
+              <a:rPr lang="en-US" dirty="0" smtClean="0"/>
+              <a:t>You will need proper credentials to fetch the project. </a:t>
+            </a:r>
+          </a:p>
+          <a:p>
+            <a:r>
+              <a:rPr lang="en-US" dirty="0" smtClean="0"/>
+              <a:t>Select where you want the project in your local drive and then the wizard will navigate you through the process</a:t>
+            </a:r>
+          </a:p>
+          <a:p>
+            <a:endParaRPr lang="en-US" dirty="0"/>
+          </a:p>
+        </p:txBody>
+      </p:sp>
+      <p:sp>
+        <p:nvSpPr>
+          <p:cNvPr id="3" name="Date Placeholder 2"/>
+          <p:cNvSpPr>
+            <a:spLocks noGrp="1"/>
+          </p:cNvSpPr>
+          <p:nvPr>
+            <p:ph type="dt" sz="half" idx="10"/>
+          </p:nvPr>
+        </p:nvSpPr>
+        <p:spPr/>
+        <p:txBody>
+          <a:bodyPr/>
+          <a:lstStyle/>
+          <a:p>
+            <a:fld id="{C8949D56-DBDD-4CB9-A3EC-4A16FD22C3CB}" type="datetime1">
+              <a:rPr lang="en-US" smtClean="0"/>
+              <a:t>3/24/2016</a:t>
+            </a:fld>
+            <a:endParaRPr lang="en-US" dirty="0"/>
+          </a:p>
+        </p:txBody>
+      </p:sp>
+      <p:sp>
+        <p:nvSpPr>
+          <p:cNvPr id="4" name="Footer Placeholder 3"/>
+          <p:cNvSpPr>
+            <a:spLocks noGrp="1"/>
+          </p:cNvSpPr>
+          <p:nvPr>
+            <p:ph type="ftr" sz="quarter" idx="11"/>
+          </p:nvPr>
+        </p:nvSpPr>
+        <p:spPr/>
+        <p:txBody>
+          <a:bodyPr/>
+          <a:lstStyle/>
+          <a:p>
+            <a:r>
+              <a:rPr lang="en-US" smtClean="0"/>
+              <a:t>All rights reserved by Five 9 Group, Inc.</a:t>
+            </a:r>
+            <a:endParaRPr lang="en-US" dirty="0"/>
+          </a:p>
+        </p:txBody>
+      </p:sp>
+      <p:sp>
+        <p:nvSpPr>
+          <p:cNvPr id="5" name="Slide Number Placeholder 4"/>
+          <p:cNvSpPr>
+            <a:spLocks noGrp="1"/>
+          </p:cNvSpPr>
+          <p:nvPr>
+            <p:ph type="sldNum" sz="quarter" idx="12"/>
+          </p:nvPr>
+        </p:nvSpPr>
+        <p:spPr/>
+        <p:txBody>
+          <a:bodyPr/>
+          <a:lstStyle/>
+          <a:p>
+            <a:fld id="{125AF1D8-B0AE-4E77-AA99-EC861FD2EC07}" type="slidenum">
+              <a:rPr lang="en-US" smtClean="0"/>
+              <a:t>36</a:t>
+            </a:fld>
+            <a:endParaRPr lang="en-US"/>
+          </a:p>
+        </p:txBody>
+      </p:sp>
+      <p:sp>
+        <p:nvSpPr>
+          <p:cNvPr id="6" name="Title 5"/>
+          <p:cNvSpPr>
+            <a:spLocks noGrp="1"/>
+          </p:cNvSpPr>
+          <p:nvPr>
+            <p:ph type="title"/>
+          </p:nvPr>
+        </p:nvSpPr>
+        <p:spPr>
+          <a:xfrm>
+            <a:off x="431074" y="365125"/>
+            <a:ext cx="8347166" cy="925298"/>
+          </a:xfrm>
+        </p:spPr>
+        <p:txBody>
+          <a:bodyPr/>
+          <a:lstStyle/>
+          <a:p>
+            <a:r>
+              <a:rPr lang="en-US" dirty="0"/>
+              <a:t>Clone existing project from </a:t>
+            </a:r>
+            <a:r>
+              <a:rPr lang="en-US" dirty="0" smtClean="0"/>
+              <a:t>remote  </a:t>
+            </a:r>
+            <a:r>
+              <a:rPr lang="en-US" dirty="0"/>
+              <a:t>server </a:t>
+            </a:r>
+            <a:r>
+              <a:rPr lang="en-US" dirty="0" smtClean="0"/>
+              <a:t>cont’d</a:t>
+            </a:r>
+            <a:endParaRPr lang="en-US" dirty="0"/>
+          </a:p>
+        </p:txBody>
+      </p:sp>
+      <p:pic>
+        <p:nvPicPr>
+          <p:cNvPr id="7" name="Picture 6"/>
+          <p:cNvPicPr>
+            <a:picLocks noChangeAspect="1"/>
+          </p:cNvPicPr>
+          <p:nvPr/>
+        </p:nvPicPr>
+        <p:blipFill>
+          <a:blip r:embed="rId2">
+            <a:extLst>
+              <a:ext uri="{28A0092B-C50C-407E-A947-70E740481C1C}">
+                <a14:useLocalDpi xmlns:a14="http://schemas.microsoft.com/office/drawing/2010/main" val="0"/>
+              </a:ext>
+            </a:extLst>
+          </a:blip>
+          <a:stretch>
+            <a:fillRect/>
+          </a:stretch>
+        </p:blipFill>
+        <p:spPr>
+          <a:xfrm>
+            <a:off x="1045029" y="3644537"/>
+            <a:ext cx="6975565" cy="2711813"/>
+          </a:xfrm>
+          <a:prstGeom prst="rect">
+            <a:avLst/>
+          </a:prstGeom>
+        </p:spPr>
+      </p:pic>
+    </p:spTree>
+    <p:extLst>
+      <p:ext uri="{BB962C8B-B14F-4D97-AF65-F5344CB8AC3E}">
+        <p14:creationId xmlns:p14="http://schemas.microsoft.com/office/powerpoint/2010/main" val="743015749"/>
+      </p:ext>
+    </p:extLst>
+  </p:cSld>
+  <p:clrMapOvr>
+    <a:masterClrMapping/>
+  </p:clrMapOvr>
+</p:sld>
+</file>
+
+<file path=ppt/slides/slide38.xml><?xml version="1.0" encoding="utf-8"?>
+<p:sld xmlns:a="http://schemas.openxmlformats.org/drawingml/2006/main" xmlns:r="http://schemas.openxmlformats.org/officeDocument/2006/relationships" xmlns:p="http://schemas.openxmlformats.org/presentationml/2006/main">
+  <p:cSld>
+    <p:spTree>
+      <p:nvGrpSpPr>
+        <p:cNvPr id="1" name=""/>
+        <p:cNvGrpSpPr/>
+        <p:nvPr/>
+      </p:nvGrpSpPr>
+      <p:grpSpPr>
+        <a:xfrm>
+          <a:off x="0" y="0"/>
+          <a:ext cx="0" cy="0"/>
+          <a:chOff x="0" y="0"/>
+          <a:chExt cx="0" cy="0"/>
+        </a:xfrm>
+      </p:grpSpPr>
+      <p:sp>
+        <p:nvSpPr>
+          <p:cNvPr id="2" name="Content Placeholder 1"/>
+          <p:cNvSpPr>
+            <a:spLocks noGrp="1"/>
+          </p:cNvSpPr>
+          <p:nvPr>
+            <p:ph idx="1"/>
+          </p:nvPr>
+        </p:nvSpPr>
+        <p:spPr/>
+        <p:txBody>
+          <a:bodyPr/>
+          <a:lstStyle/>
+          <a:p>
+            <a:r>
+              <a:rPr lang="en-US" dirty="0" smtClean="0"/>
+              <a:t>At the end, the repository view will look like this.</a:t>
+            </a:r>
+          </a:p>
+          <a:p>
+            <a:endParaRPr lang="en-US" dirty="0"/>
+          </a:p>
+        </p:txBody>
+      </p:sp>
+      <p:sp>
+        <p:nvSpPr>
+          <p:cNvPr id="3" name="Date Placeholder 2"/>
+          <p:cNvSpPr>
+            <a:spLocks noGrp="1"/>
+          </p:cNvSpPr>
+          <p:nvPr>
+            <p:ph type="dt" sz="half" idx="10"/>
+          </p:nvPr>
+        </p:nvSpPr>
+        <p:spPr/>
+        <p:txBody>
+          <a:bodyPr/>
+          <a:lstStyle/>
+          <a:p>
+            <a:fld id="{C8949D56-DBDD-4CB9-A3EC-4A16FD22C3CB}" type="datetime1">
+              <a:rPr lang="en-US" smtClean="0"/>
+              <a:t>3/24/2016</a:t>
+            </a:fld>
+            <a:endParaRPr lang="en-US" dirty="0"/>
+          </a:p>
+        </p:txBody>
+      </p:sp>
+      <p:sp>
+        <p:nvSpPr>
+          <p:cNvPr id="4" name="Footer Placeholder 3"/>
+          <p:cNvSpPr>
+            <a:spLocks noGrp="1"/>
+          </p:cNvSpPr>
+          <p:nvPr>
+            <p:ph type="ftr" sz="quarter" idx="11"/>
+          </p:nvPr>
+        </p:nvSpPr>
+        <p:spPr/>
+        <p:txBody>
+          <a:bodyPr/>
+          <a:lstStyle/>
+          <a:p>
+            <a:r>
+              <a:rPr lang="en-US" smtClean="0"/>
+              <a:t>All rights reserved by Five 9 Group, Inc.</a:t>
+            </a:r>
+            <a:endParaRPr lang="en-US" dirty="0"/>
+          </a:p>
+        </p:txBody>
+      </p:sp>
+      <p:sp>
+        <p:nvSpPr>
+          <p:cNvPr id="5" name="Slide Number Placeholder 4"/>
+          <p:cNvSpPr>
+            <a:spLocks noGrp="1"/>
+          </p:cNvSpPr>
+          <p:nvPr>
+            <p:ph type="sldNum" sz="quarter" idx="12"/>
+          </p:nvPr>
+        </p:nvSpPr>
+        <p:spPr/>
+        <p:txBody>
+          <a:bodyPr/>
+          <a:lstStyle/>
+          <a:p>
+            <a:fld id="{125AF1D8-B0AE-4E77-AA99-EC861FD2EC07}" type="slidenum">
+              <a:rPr lang="en-US" smtClean="0"/>
+              <a:t>37</a:t>
+            </a:fld>
+            <a:endParaRPr lang="en-US"/>
+          </a:p>
+        </p:txBody>
+      </p:sp>
+      <p:sp>
+        <p:nvSpPr>
+          <p:cNvPr id="6" name="Title 5"/>
+          <p:cNvSpPr>
+            <a:spLocks noGrp="1"/>
+          </p:cNvSpPr>
+          <p:nvPr>
+            <p:ph type="title"/>
+          </p:nvPr>
+        </p:nvSpPr>
+        <p:spPr/>
+        <p:txBody>
+          <a:bodyPr/>
+          <a:lstStyle/>
+          <a:p>
+            <a:r>
+              <a:rPr lang="en-US" dirty="0" smtClean="0"/>
+              <a:t>Fetched project</a:t>
+            </a:r>
+            <a:endParaRPr lang="en-US" dirty="0"/>
+          </a:p>
+        </p:txBody>
+      </p:sp>
+      <p:pic>
+        <p:nvPicPr>
+          <p:cNvPr id="7" name="Picture 6"/>
+          <p:cNvPicPr>
+            <a:picLocks noChangeAspect="1"/>
+          </p:cNvPicPr>
+          <p:nvPr/>
+        </p:nvPicPr>
+        <p:blipFill>
+          <a:blip r:embed="rId2">
+            <a:extLst>
+              <a:ext uri="{28A0092B-C50C-407E-A947-70E740481C1C}">
+                <a14:useLocalDpi xmlns:a14="http://schemas.microsoft.com/office/drawing/2010/main" val="0"/>
+              </a:ext>
+            </a:extLst>
+          </a:blip>
+          <a:stretch>
+            <a:fillRect/>
+          </a:stretch>
+        </p:blipFill>
+        <p:spPr>
+          <a:xfrm>
+            <a:off x="352696" y="1815737"/>
+            <a:ext cx="8503921" cy="4341872"/>
+          </a:xfrm>
+          <a:prstGeom prst="rect">
+            <a:avLst/>
+          </a:prstGeom>
+        </p:spPr>
+      </p:pic>
+    </p:spTree>
+    <p:extLst>
+      <p:ext uri="{BB962C8B-B14F-4D97-AF65-F5344CB8AC3E}">
+        <p14:creationId xmlns:p14="http://schemas.microsoft.com/office/powerpoint/2010/main" val="3249587545"/>
+      </p:ext>
+    </p:extLst>
+  </p:cSld>
+  <p:clrMapOvr>
+    <a:masterClrMapping/>
+  </p:clrMapOvr>
+</p:sld>
+</file>
+
+<file path=ppt/slides/slide39.xml><?xml version="1.0" encoding="utf-8"?>
+<p:sld xmlns:a="http://schemas.openxmlformats.org/drawingml/2006/main" xmlns:r="http://schemas.openxmlformats.org/officeDocument/2006/relationships" xmlns:p="http://schemas.openxmlformats.org/presentationml/2006/main">
+  <p:cSld>
+    <p:spTree>
+      <p:nvGrpSpPr>
+        <p:cNvPr id="1" name=""/>
+        <p:cNvGrpSpPr/>
+        <p:nvPr/>
+      </p:nvGrpSpPr>
+      <p:grpSpPr>
+        <a:xfrm>
+          <a:off x="0" y="0"/>
+          <a:ext cx="0" cy="0"/>
+          <a:chOff x="0" y="0"/>
+          <a:chExt cx="0" cy="0"/>
+        </a:xfrm>
+      </p:grpSpPr>
+      <p:sp>
+        <p:nvSpPr>
+          <p:cNvPr id="2" name="Content Placeholder 1"/>
+          <p:cNvSpPr>
+            <a:spLocks noGrp="1"/>
+          </p:cNvSpPr>
+          <p:nvPr>
+            <p:ph idx="1"/>
+          </p:nvPr>
+        </p:nvSpPr>
+        <p:spPr/>
+        <p:txBody>
+          <a:bodyPr/>
+          <a:lstStyle/>
+          <a:p>
+            <a:r>
+              <a:rPr lang="en-US" dirty="0" smtClean="0"/>
+              <a:t>Next step is to import the project to your workspace</a:t>
+            </a:r>
+            <a:endParaRPr lang="en-US" dirty="0"/>
+          </a:p>
+        </p:txBody>
+      </p:sp>
+      <p:sp>
+        <p:nvSpPr>
+          <p:cNvPr id="3" name="Date Placeholder 2"/>
+          <p:cNvSpPr>
+            <a:spLocks noGrp="1"/>
+          </p:cNvSpPr>
+          <p:nvPr>
+            <p:ph type="dt" sz="half" idx="10"/>
+          </p:nvPr>
+        </p:nvSpPr>
+        <p:spPr/>
+        <p:txBody>
+          <a:bodyPr/>
+          <a:lstStyle/>
+          <a:p>
+            <a:fld id="{C8949D56-DBDD-4CB9-A3EC-4A16FD22C3CB}" type="datetime1">
+              <a:rPr lang="en-US" smtClean="0"/>
+              <a:t>3/24/2016</a:t>
+            </a:fld>
+            <a:endParaRPr lang="en-US" dirty="0"/>
+          </a:p>
+        </p:txBody>
+      </p:sp>
+      <p:sp>
+        <p:nvSpPr>
+          <p:cNvPr id="4" name="Footer Placeholder 3"/>
+          <p:cNvSpPr>
+            <a:spLocks noGrp="1"/>
+          </p:cNvSpPr>
+          <p:nvPr>
+            <p:ph type="ftr" sz="quarter" idx="11"/>
+          </p:nvPr>
+        </p:nvSpPr>
+        <p:spPr/>
+        <p:txBody>
+          <a:bodyPr/>
+          <a:lstStyle/>
+          <a:p>
+            <a:r>
+              <a:rPr lang="en-US" smtClean="0"/>
+              <a:t>All rights reserved by Five 9 Group, Inc.</a:t>
+            </a:r>
+            <a:endParaRPr lang="en-US" dirty="0"/>
+          </a:p>
+        </p:txBody>
+      </p:sp>
+      <p:sp>
+        <p:nvSpPr>
+          <p:cNvPr id="5" name="Slide Number Placeholder 4"/>
+          <p:cNvSpPr>
+            <a:spLocks noGrp="1"/>
+          </p:cNvSpPr>
+          <p:nvPr>
+            <p:ph type="sldNum" sz="quarter" idx="12"/>
+          </p:nvPr>
+        </p:nvSpPr>
+        <p:spPr/>
+        <p:txBody>
+          <a:bodyPr/>
+          <a:lstStyle/>
+          <a:p>
+            <a:fld id="{125AF1D8-B0AE-4E77-AA99-EC861FD2EC07}" type="slidenum">
+              <a:rPr lang="en-US" smtClean="0"/>
+              <a:t>38</a:t>
+            </a:fld>
+            <a:endParaRPr lang="en-US"/>
+          </a:p>
+        </p:txBody>
+      </p:sp>
+      <p:sp>
+        <p:nvSpPr>
+          <p:cNvPr id="6" name="Title 5"/>
+          <p:cNvSpPr>
+            <a:spLocks noGrp="1"/>
+          </p:cNvSpPr>
+          <p:nvPr>
+            <p:ph type="title"/>
+          </p:nvPr>
+        </p:nvSpPr>
+        <p:spPr/>
+        <p:txBody>
+          <a:bodyPr/>
+          <a:lstStyle/>
+          <a:p>
+            <a:r>
+              <a:rPr lang="en-US" dirty="0" smtClean="0"/>
+              <a:t>Importing project to your workspace</a:t>
+            </a:r>
+            <a:endParaRPr lang="en-US" dirty="0"/>
+          </a:p>
+        </p:txBody>
+      </p:sp>
+      <p:pic>
+        <p:nvPicPr>
+          <p:cNvPr id="7" name="Picture 6"/>
+          <p:cNvPicPr>
+            <a:picLocks noChangeAspect="1"/>
+          </p:cNvPicPr>
+          <p:nvPr/>
+        </p:nvPicPr>
+        <p:blipFill>
+          <a:blip r:embed="rId2">
+            <a:extLst>
+              <a:ext uri="{28A0092B-C50C-407E-A947-70E740481C1C}">
+                <a14:useLocalDpi xmlns:a14="http://schemas.microsoft.com/office/drawing/2010/main" val="0"/>
+              </a:ext>
+            </a:extLst>
+          </a:blip>
+          <a:stretch>
+            <a:fillRect/>
+          </a:stretch>
+        </p:blipFill>
+        <p:spPr>
+          <a:xfrm>
+            <a:off x="300446" y="2103120"/>
+            <a:ext cx="8214904" cy="4253230"/>
+          </a:xfrm>
+          <a:prstGeom prst="rect">
+            <a:avLst/>
+          </a:prstGeom>
+        </p:spPr>
+      </p:pic>
+    </p:spTree>
+    <p:extLst>
+      <p:ext uri="{BB962C8B-B14F-4D97-AF65-F5344CB8AC3E}">
+        <p14:creationId xmlns:p14="http://schemas.microsoft.com/office/powerpoint/2010/main" val="372362474"/>
+      </p:ext>
+    </p:extLst>
+  </p:cSld>
+  <p:clrMapOvr>
+    <a:masterClrMapping/>
+  </p:clrMapOvr>
+</p:sld>
+</file>
+
 <file path=ppt/slides/slide4.xml><?xml version="1.0" encoding="utf-8"?>
 <p:sld xmlns:a="http://schemas.openxmlformats.org/drawingml/2006/main" xmlns:r="http://schemas.openxmlformats.org/officeDocument/2006/relationships" xmlns:p="http://schemas.openxmlformats.org/presentationml/2006/main">
   <p:cSld>
@@ -8230,7 +9793,7 @@
           <a:p>
             <a:fld id="{416762AD-F359-4A5D-A353-2EAB7A3801EE}" type="datetime1">
               <a:rPr lang="en-US" smtClean="0"/>
-              <a:t>3/4/2016</a:t>
+              <a:t>3/24/2016</a:t>
             </a:fld>
             <a:endParaRPr lang="en-US" dirty="0"/>
           </a:p>
@@ -8329,6 +9892,187 @@
       </p:par>
     </p:tnLst>
   </p:timing>
+</p:sld>
+</file>
+
+<file path=ppt/slides/slide40.xml><?xml version="1.0" encoding="utf-8"?>
+<p:sld xmlns:a="http://schemas.openxmlformats.org/drawingml/2006/main" xmlns:r="http://schemas.openxmlformats.org/officeDocument/2006/relationships" xmlns:p="http://schemas.openxmlformats.org/presentationml/2006/main">
+  <p:cSld>
+    <p:spTree>
+      <p:nvGrpSpPr>
+        <p:cNvPr id="1" name=""/>
+        <p:cNvGrpSpPr/>
+        <p:nvPr/>
+      </p:nvGrpSpPr>
+      <p:grpSpPr>
+        <a:xfrm>
+          <a:off x="0" y="0"/>
+          <a:ext cx="0" cy="0"/>
+          <a:chOff x="0" y="0"/>
+          <a:chExt cx="0" cy="0"/>
+        </a:xfrm>
+      </p:grpSpPr>
+      <p:pic>
+        <p:nvPicPr>
+          <p:cNvPr id="7" name="Content Placeholder 6"/>
+          <p:cNvPicPr>
+            <a:picLocks noGrp="1" noChangeAspect="1"/>
+          </p:cNvPicPr>
+          <p:nvPr>
+            <p:ph idx="1"/>
+          </p:nvPr>
+        </p:nvPicPr>
+        <p:blipFill>
+          <a:blip r:embed="rId2">
+            <a:extLst>
+              <a:ext uri="{28A0092B-C50C-407E-A947-70E740481C1C}">
+                <a14:useLocalDpi xmlns:a14="http://schemas.microsoft.com/office/drawing/2010/main" val="0"/>
+              </a:ext>
+            </a:extLst>
+          </a:blip>
+          <a:stretch>
+            <a:fillRect/>
+          </a:stretch>
+        </p:blipFill>
+        <p:spPr>
+          <a:xfrm>
+            <a:off x="331422" y="1282668"/>
+            <a:ext cx="3678875" cy="4805363"/>
+          </a:xfrm>
+        </p:spPr>
+      </p:pic>
+      <p:sp>
+        <p:nvSpPr>
+          <p:cNvPr id="3" name="Date Placeholder 2"/>
+          <p:cNvSpPr>
+            <a:spLocks noGrp="1"/>
+          </p:cNvSpPr>
+          <p:nvPr>
+            <p:ph type="dt" sz="half" idx="10"/>
+          </p:nvPr>
+        </p:nvSpPr>
+        <p:spPr/>
+        <p:txBody>
+          <a:bodyPr/>
+          <a:lstStyle/>
+          <a:p>
+            <a:fld id="{C8949D56-DBDD-4CB9-A3EC-4A16FD22C3CB}" type="datetime1">
+              <a:rPr lang="en-US" smtClean="0"/>
+              <a:t>3/24/2016</a:t>
+            </a:fld>
+            <a:endParaRPr lang="en-US" dirty="0"/>
+          </a:p>
+        </p:txBody>
+      </p:sp>
+      <p:sp>
+        <p:nvSpPr>
+          <p:cNvPr id="4" name="Footer Placeholder 3"/>
+          <p:cNvSpPr>
+            <a:spLocks noGrp="1"/>
+          </p:cNvSpPr>
+          <p:nvPr>
+            <p:ph type="ftr" sz="quarter" idx="11"/>
+          </p:nvPr>
+        </p:nvSpPr>
+        <p:spPr/>
+        <p:txBody>
+          <a:bodyPr/>
+          <a:lstStyle/>
+          <a:p>
+            <a:r>
+              <a:rPr lang="en-US" smtClean="0"/>
+              <a:t>All rights reserved by Five 9 Group, Inc.</a:t>
+            </a:r>
+            <a:endParaRPr lang="en-US" dirty="0"/>
+          </a:p>
+        </p:txBody>
+      </p:sp>
+      <p:sp>
+        <p:nvSpPr>
+          <p:cNvPr id="5" name="Slide Number Placeholder 4"/>
+          <p:cNvSpPr>
+            <a:spLocks noGrp="1"/>
+          </p:cNvSpPr>
+          <p:nvPr>
+            <p:ph type="sldNum" sz="quarter" idx="12"/>
+          </p:nvPr>
+        </p:nvSpPr>
+        <p:spPr/>
+        <p:txBody>
+          <a:bodyPr/>
+          <a:lstStyle/>
+          <a:p>
+            <a:fld id="{125AF1D8-B0AE-4E77-AA99-EC861FD2EC07}" type="slidenum">
+              <a:rPr lang="en-US" smtClean="0"/>
+              <a:t>39</a:t>
+            </a:fld>
+            <a:endParaRPr lang="en-US"/>
+          </a:p>
+        </p:txBody>
+      </p:sp>
+      <p:sp>
+        <p:nvSpPr>
+          <p:cNvPr id="6" name="Title 5"/>
+          <p:cNvSpPr>
+            <a:spLocks noGrp="1"/>
+          </p:cNvSpPr>
+          <p:nvPr>
+            <p:ph type="title"/>
+          </p:nvPr>
+        </p:nvSpPr>
+        <p:spPr/>
+        <p:txBody>
+          <a:bodyPr/>
+          <a:lstStyle/>
+          <a:p>
+            <a:r>
+              <a:rPr lang="en-US" dirty="0" smtClean="0"/>
+              <a:t>Importing project to your workspace</a:t>
+            </a:r>
+            <a:endParaRPr lang="en-US" dirty="0"/>
+          </a:p>
+        </p:txBody>
+      </p:sp>
+      <p:pic>
+        <p:nvPicPr>
+          <p:cNvPr id="8" name="Picture 7"/>
+          <p:cNvPicPr>
+            <a:picLocks noChangeAspect="1"/>
+          </p:cNvPicPr>
+          <p:nvPr/>
+        </p:nvPicPr>
+        <p:blipFill>
+          <a:blip r:embed="rId3">
+            <a:extLst>
+              <a:ext uri="{28A0092B-C50C-407E-A947-70E740481C1C}">
+                <a14:useLocalDpi xmlns:a14="http://schemas.microsoft.com/office/drawing/2010/main" val="0"/>
+              </a:ext>
+            </a:extLst>
+          </a:blip>
+          <a:stretch>
+            <a:fillRect/>
+          </a:stretch>
+        </p:blipFill>
+        <p:spPr>
+          <a:xfrm>
+            <a:off x="4911634" y="1282668"/>
+            <a:ext cx="3908579" cy="4948316"/>
+          </a:xfrm>
+          <a:prstGeom prst="rect">
+            <a:avLst/>
+          </a:prstGeom>
+        </p:spPr>
+      </p:pic>
+    </p:spTree>
+    <p:extLst>
+      <p:ext uri="{BB962C8B-B14F-4D97-AF65-F5344CB8AC3E}">
+        <p14:creationId xmlns:p14="http://schemas.microsoft.com/office/powerpoint/2010/main" val="1209012056"/>
+      </p:ext>
+    </p:extLst>
+  </p:cSld>
+  <p:clrMapOvr>
+    <a:masterClrMapping/>
+  </p:clrMapOvr>
 </p:sld>
 </file>
 
@@ -8395,7 +10139,7 @@
           <a:p>
             <a:fld id="{416762AD-F359-4A5D-A353-2EAB7A3801EE}" type="datetime1">
               <a:rPr lang="en-US" smtClean="0"/>
-              <a:t>3/4/2016</a:t>
+              <a:t>3/24/2016</a:t>
             </a:fld>
             <a:endParaRPr lang="en-US" dirty="0"/>
           </a:p>
@@ -8613,7 +10357,7 @@
           <a:p>
             <a:fld id="{C8949D56-DBDD-4CB9-A3EC-4A16FD22C3CB}" type="datetime1">
               <a:rPr lang="en-US" smtClean="0"/>
-              <a:t>3/4/2016</a:t>
+              <a:t>3/24/2016</a:t>
             </a:fld>
             <a:endParaRPr lang="en-US" dirty="0"/>
           </a:p>
@@ -8810,7 +10554,7 @@
           <a:p>
             <a:fld id="{C8949D56-DBDD-4CB9-A3EC-4A16FD22C3CB}" type="datetime1">
               <a:rPr lang="en-US" smtClean="0"/>
-              <a:t>3/4/2016</a:t>
+              <a:t>3/24/2016</a:t>
             </a:fld>
             <a:endParaRPr lang="en-US" dirty="0"/>
           </a:p>
@@ -9026,7 +10770,7 @@
           <a:p>
             <a:fld id="{C8949D56-DBDD-4CB9-A3EC-4A16FD22C3CB}" type="datetime1">
               <a:rPr lang="en-US" smtClean="0"/>
-              <a:t>3/4/2016</a:t>
+              <a:t>3/24/2016</a:t>
             </a:fld>
             <a:endParaRPr lang="en-US" dirty="0"/>
           </a:p>
@@ -9208,7 +10952,7 @@
           <a:p>
             <a:fld id="{C8949D56-DBDD-4CB9-A3EC-4A16FD22C3CB}" type="datetime1">
               <a:rPr lang="en-US" smtClean="0"/>
-              <a:t>3/4/2016</a:t>
+              <a:t>3/24/2016</a:t>
             </a:fld>
             <a:endParaRPr lang="en-US" dirty="0"/>
           </a:p>
@@ -10645,15 +12389,6 @@
 </file>
 
 <file path=customXml/item2.xml><?xml version="1.0" encoding="utf-8"?>
-<?mso-contentType ?>
-<FormTemplates xmlns="http://schemas.microsoft.com/sharepoint/v3/contenttype/forms">
-  <Display>DocumentLibraryForm</Display>
-  <Edit>DocumentLibraryForm</Edit>
-  <New>DocumentLibraryForm</New>
-</FormTemplates>
-</file>
-
-<file path=customXml/item3.xml><?xml version="1.0" encoding="utf-8"?>
 <ct:contentTypeSchema xmlns:ct="http://schemas.microsoft.com/office/2006/metadata/contentType" xmlns:ma="http://schemas.microsoft.com/office/2006/metadata/properties/metaAttributes" ct:_="" ma:_="" ma:contentTypeName="Document" ma:contentTypeID="0x010100A6ACCE593AD92944B157D3BFC117C3B0" ma:contentTypeVersion="1" ma:contentTypeDescription="Create a new document." ma:contentTypeScope="" ma:versionID="31aa9146fadbcd029fea1f59b7fe6dbe">
   <xsd:schema xmlns:xsd="http://www.w3.org/2001/XMLSchema" xmlns:xs="http://www.w3.org/2001/XMLSchema" xmlns:p="http://schemas.microsoft.com/office/2006/metadata/properties" xmlns:ns2="f5816a01-d867-4d89-95c2-6adf1c4ae84d" targetNamespace="http://schemas.microsoft.com/office/2006/metadata/properties" ma:root="true" ma:fieldsID="687f2c7acd8a9d680a6dac2a9c40ddf7" ns2:_="">
     <xsd:import namespace="f5816a01-d867-4d89-95c2-6adf1c4ae84d"/>
@@ -10793,6 +12528,15 @@
 </ct:contentTypeSchema>
 </file>
 
+<file path=customXml/item3.xml><?xml version="1.0" encoding="utf-8"?>
+<?mso-contentType ?>
+<FormTemplates xmlns="http://schemas.microsoft.com/sharepoint/v3/contenttype/forms">
+  <Display>DocumentLibraryForm</Display>
+  <Edit>DocumentLibraryForm</Edit>
+  <New>DocumentLibraryForm</New>
+</FormTemplates>
+</file>
+
 <file path=customXml/itemProps1.xml><?xml version="1.0" encoding="utf-8"?>
 <ds:datastoreItem xmlns:ds="http://schemas.openxmlformats.org/officeDocument/2006/customXml" ds:itemID="{D2E4BD7C-7ABC-4370-BB20-57E2F16FD844}">
   <ds:schemaRefs>
@@ -10810,14 +12554,6 @@
 </file>
 
 <file path=customXml/itemProps2.xml><?xml version="1.0" encoding="utf-8"?>
-<ds:datastoreItem xmlns:ds="http://schemas.openxmlformats.org/officeDocument/2006/customXml" ds:itemID="{E9243E58-1309-4BF1-A542-A18807F5B220}">
-  <ds:schemaRefs>
-    <ds:schemaRef ds:uri="http://schemas.microsoft.com/sharepoint/v3/contenttype/forms"/>
-  </ds:schemaRefs>
-</ds:datastoreItem>
-</file>
-
-<file path=customXml/itemProps3.xml><?xml version="1.0" encoding="utf-8"?>
 <ds:datastoreItem xmlns:ds="http://schemas.openxmlformats.org/officeDocument/2006/customXml" ds:itemID="{6024AFB6-F3E3-476B-B7F3-9359BAE92E0B}">
   <ds:schemaRefs>
     <ds:schemaRef ds:uri="http://schemas.microsoft.com/office/2006/metadata/contentType"/>
@@ -10833,4 +12569,12 @@
     <ds:schemaRef ds:uri="http://schemas.microsoft.com/internal/obd"/>
   </ds:schemaRefs>
 </ds:datastoreItem>
+</file>
+
+<file path=customXml/itemProps3.xml><?xml version="1.0" encoding="utf-8"?>
+<ds:datastoreItem xmlns:ds="http://schemas.openxmlformats.org/officeDocument/2006/customXml" ds:itemID="{E9243E58-1309-4BF1-A542-A18807F5B220}">
+  <ds:schemaRefs>
+    <ds:schemaRef ds:uri="http://schemas.microsoft.com/sharepoint/v3/contenttype/forms"/>
+  </ds:schemaRefs>
+</ds:datastoreItem>
 </file>